--- a/2017/SPRING/PS/PS2/Patience Sort.pptx
+++ b/2017/SPRING/PS/PS2/Patience Sort.pptx
@@ -11,9 +11,9 @@
     <p:sldId id="264" r:id="rId5"/>
     <p:sldId id="258" r:id="rId6"/>
     <p:sldId id="260" r:id="rId7"/>
-    <p:sldId id="263" r:id="rId8"/>
+    <p:sldId id="261" r:id="rId8"/>
     <p:sldId id="259" r:id="rId9"/>
-    <p:sldId id="261" r:id="rId10"/>
+    <p:sldId id="263" r:id="rId10"/>
   </p:sldIdLst>
   <p:sldSz cx="12192000" cy="6858000"/>
   <p:notesSz cx="6858000" cy="9144000"/>
@@ -251,7 +251,7 @@
           <a:p>
             <a:fld id="{CC3B8317-A354-4CD1-B691-18477C5DAC9B}" type="datetimeFigureOut">
               <a:rPr lang="ru-RU" smtClean="0"/>
-              <a:t>17.04.2018</a:t>
+              <a:t>21.04.2018</a:t>
             </a:fld>
             <a:endParaRPr lang="ru-RU"/>
           </a:p>
@@ -421,7 +421,7 @@
           <a:p>
             <a:fld id="{CC3B8317-A354-4CD1-B691-18477C5DAC9B}" type="datetimeFigureOut">
               <a:rPr lang="ru-RU" smtClean="0"/>
-              <a:t>17.04.2018</a:t>
+              <a:t>21.04.2018</a:t>
             </a:fld>
             <a:endParaRPr lang="ru-RU"/>
           </a:p>
@@ -601,7 +601,7 @@
           <a:p>
             <a:fld id="{CC3B8317-A354-4CD1-B691-18477C5DAC9B}" type="datetimeFigureOut">
               <a:rPr lang="ru-RU" smtClean="0"/>
-              <a:t>17.04.2018</a:t>
+              <a:t>21.04.2018</a:t>
             </a:fld>
             <a:endParaRPr lang="ru-RU"/>
           </a:p>
@@ -771,7 +771,7 @@
           <a:p>
             <a:fld id="{CC3B8317-A354-4CD1-B691-18477C5DAC9B}" type="datetimeFigureOut">
               <a:rPr lang="ru-RU" smtClean="0"/>
-              <a:t>17.04.2018</a:t>
+              <a:t>21.04.2018</a:t>
             </a:fld>
             <a:endParaRPr lang="ru-RU"/>
           </a:p>
@@ -1017,7 +1017,7 @@
           <a:p>
             <a:fld id="{CC3B8317-A354-4CD1-B691-18477C5DAC9B}" type="datetimeFigureOut">
               <a:rPr lang="ru-RU" smtClean="0"/>
-              <a:t>17.04.2018</a:t>
+              <a:t>21.04.2018</a:t>
             </a:fld>
             <a:endParaRPr lang="ru-RU"/>
           </a:p>
@@ -1249,7 +1249,7 @@
           <a:p>
             <a:fld id="{CC3B8317-A354-4CD1-B691-18477C5DAC9B}" type="datetimeFigureOut">
               <a:rPr lang="ru-RU" smtClean="0"/>
-              <a:t>17.04.2018</a:t>
+              <a:t>21.04.2018</a:t>
             </a:fld>
             <a:endParaRPr lang="ru-RU"/>
           </a:p>
@@ -1616,7 +1616,7 @@
           <a:p>
             <a:fld id="{CC3B8317-A354-4CD1-B691-18477C5DAC9B}" type="datetimeFigureOut">
               <a:rPr lang="ru-RU" smtClean="0"/>
-              <a:t>17.04.2018</a:t>
+              <a:t>21.04.2018</a:t>
             </a:fld>
             <a:endParaRPr lang="ru-RU"/>
           </a:p>
@@ -1734,7 +1734,7 @@
           <a:p>
             <a:fld id="{CC3B8317-A354-4CD1-B691-18477C5DAC9B}" type="datetimeFigureOut">
               <a:rPr lang="ru-RU" smtClean="0"/>
-              <a:t>17.04.2018</a:t>
+              <a:t>21.04.2018</a:t>
             </a:fld>
             <a:endParaRPr lang="ru-RU"/>
           </a:p>
@@ -1829,7 +1829,7 @@
           <a:p>
             <a:fld id="{CC3B8317-A354-4CD1-B691-18477C5DAC9B}" type="datetimeFigureOut">
               <a:rPr lang="ru-RU" smtClean="0"/>
-              <a:t>17.04.2018</a:t>
+              <a:t>21.04.2018</a:t>
             </a:fld>
             <a:endParaRPr lang="ru-RU"/>
           </a:p>
@@ -2106,7 +2106,7 @@
           <a:p>
             <a:fld id="{CC3B8317-A354-4CD1-B691-18477C5DAC9B}" type="datetimeFigureOut">
               <a:rPr lang="ru-RU" smtClean="0"/>
-              <a:t>17.04.2018</a:t>
+              <a:t>21.04.2018</a:t>
             </a:fld>
             <a:endParaRPr lang="ru-RU"/>
           </a:p>
@@ -2359,7 +2359,7 @@
           <a:p>
             <a:fld id="{CC3B8317-A354-4CD1-B691-18477C5DAC9B}" type="datetimeFigureOut">
               <a:rPr lang="ru-RU" smtClean="0"/>
-              <a:t>17.04.2018</a:t>
+              <a:t>21.04.2018</a:t>
             </a:fld>
             <a:endParaRPr lang="ru-RU"/>
           </a:p>
@@ -2572,7 +2572,7 @@
           <a:p>
             <a:fld id="{CC3B8317-A354-4CD1-B691-18477C5DAC9B}" type="datetimeFigureOut">
               <a:rPr lang="ru-RU" smtClean="0"/>
-              <a:t>17.04.2018</a:t>
+              <a:t>21.04.2018</a:t>
             </a:fld>
             <a:endParaRPr lang="ru-RU"/>
           </a:p>
@@ -3180,26 +3180,13 @@
           <a:p>
             <a:r>
               <a:rPr lang="ru-RU" dirty="0" smtClean="0"/>
-              <a:t>Имеем </a:t>
-            </a:r>
+              <a:t>Имеем массив, элементы которого нужно отсортировать по возрастанию. Разложим элементы массива по стопкам: для того чтобы положить элемент в стопку, требуется выполнение условия — новый элемент меньше элемента, лежащего на вершине стопки; либо создадим новую стопку справа и сделаем наш элемент её вершиной. </a:t>
+            </a:r>
+          </a:p>
+          <a:p>
             <a:r>
               <a:rPr lang="ru-RU" dirty="0" smtClean="0"/>
-              <a:t>массив, </a:t>
-            </a:r>
-            <a:r>
-              <a:rPr lang="ru-RU" dirty="0" smtClean="0"/>
-              <a:t>элементы которого нужно отсортировать по возрастанию. Разложим элементы массива по стопкам: для того чтобы положить элемент в стопку, требуется выполнение условия — новый элемент меньше элемента, лежащего на вершине стопки; либо создадим новую стопку справа и сделаем наш элемент её вершиной. </a:t>
-            </a:r>
-            <a:endParaRPr lang="ru-RU" dirty="0" smtClean="0"/>
-          </a:p>
-          <a:p>
-            <a:r>
-              <a:rPr lang="ru-RU" dirty="0" smtClean="0"/>
-              <a:t>Мы </a:t>
-            </a:r>
-            <a:r>
-              <a:rPr lang="ru-RU" dirty="0" smtClean="0"/>
-              <a:t>формируем новую стопку, когда встречаем элемент больший, чем вершины всех стопок, расположенных слева. В то же время стопки слева были созданы ранее, то есть элементы в них идут в исходной последовательности раньше текущего. Каждая стопка представляет собой убывающую последовательность, то есть длина НВП в пределах стопки равна единице, поэтому появление новой стопки можно понимать как увеличение длины </a:t>
+              <a:t>Мы формируем новую стопку, когда встречаем элемент больший, чем вершины всех стопок, расположенных слева. В то же время стопки слева были созданы ранее, то есть элементы в них идут в исходной последовательности раньше текущего. Каждая стопка представляет собой убывающую последовательность, то есть длина НВП в пределах стопки равна единице, поэтому появление новой стопки можно понимать как увеличение длины </a:t>
             </a:r>
             <a:r>
               <a:rPr lang="ru-RU" b="1" dirty="0" smtClean="0"/>
@@ -3219,11 +3206,7 @@
             </a:r>
             <a:r>
               <a:rPr lang="ru-RU" dirty="0" smtClean="0"/>
-              <a:t> равна количеству стопок</a:t>
-            </a:r>
-            <a:r>
-              <a:rPr lang="ru-RU" dirty="0" smtClean="0"/>
-              <a:t>.</a:t>
+              <a:t> равна количеству стопок.</a:t>
             </a:r>
             <a:endParaRPr lang="ru-RU" dirty="0"/>
           </a:p>
@@ -3706,83 +3689,58 @@
           <a:p>
             <a:r>
               <a:rPr lang="ru-RU" dirty="0" smtClean="0"/>
-              <a:t>Список использованной лит-</a:t>
-            </a:r>
-            <a:r>
-              <a:rPr lang="ru-RU" dirty="0" err="1" smtClean="0"/>
-              <a:t>ры</a:t>
+              <a:t>Графики </a:t>
+            </a:r>
+            <a:r>
+              <a:rPr lang="ru-RU" dirty="0" smtClean="0"/>
+              <a:t>(</a:t>
+            </a:r>
+            <a:r>
+              <a:rPr lang="ru-RU" dirty="0" smtClean="0"/>
+              <a:t>время</a:t>
+            </a:r>
+            <a:r>
+              <a:rPr lang="ru-RU" dirty="0" smtClean="0"/>
+              <a:t>)</a:t>
             </a:r>
             <a:endParaRPr lang="ru-RU" dirty="0"/>
           </a:p>
         </p:txBody>
       </p:sp>
-      <p:sp>
-        <p:nvSpPr>
-          <p:cNvPr id="3" name="Объект 2"/>
-          <p:cNvSpPr>
-            <a:spLocks noGrp="1"/>
-          </p:cNvSpPr>
-          <p:nvPr>
-            <p:ph idx="1"/>
-          </p:nvPr>
-        </p:nvSpPr>
-        <p:spPr/>
-        <p:txBody>
-          <a:bodyPr/>
-          <a:lstStyle/>
-          <a:p>
-            <a:r>
-              <a:rPr lang="en-US" dirty="0">
-                <a:hlinkClick r:id="rId2"/>
-              </a:rPr>
-              <a:t>https://</a:t>
-            </a:r>
-            <a:r>
-              <a:rPr lang="en-US" dirty="0" smtClean="0">
-                <a:hlinkClick r:id="rId2"/>
-              </a:rPr>
-              <a:t>en.wikipedia.org/wiki/Patience_sorting</a:t>
-            </a:r>
-            <a:endParaRPr lang="ru-RU" dirty="0" smtClean="0"/>
-          </a:p>
-          <a:p>
-            <a:r>
-              <a:rPr lang="en-US" dirty="0"/>
-              <a:t>http://</a:t>
-            </a:r>
-            <a:r>
-              <a:rPr lang="en-US" dirty="0" smtClean="0"/>
-              <a:t>neerc.ifmo.ru/wiki/index.php?title</a:t>
-            </a:r>
-            <a:r>
-              <a:rPr lang="ru-RU" dirty="0" smtClean="0"/>
-              <a:t>=</a:t>
-            </a:r>
-            <a:r>
-              <a:rPr lang="ru-RU" dirty="0" err="1" smtClean="0"/>
-              <a:t>Терпеливая_сортировка</a:t>
-            </a:r>
-            <a:endParaRPr lang="ru-RU" dirty="0"/>
-          </a:p>
-        </p:txBody>
-      </p:sp>
+      <p:pic>
+        <p:nvPicPr>
+          <p:cNvPr id="3" name="Рисунок 2"/>
+          <p:cNvPicPr>
+            <a:picLocks noChangeAspect="1"/>
+          </p:cNvPicPr>
+          <p:nvPr/>
+        </p:nvPicPr>
+        <p:blipFill>
+          <a:blip r:embed="rId2"/>
+          <a:stretch>
+            <a:fillRect/>
+          </a:stretch>
+        </p:blipFill>
+        <p:spPr>
+          <a:xfrm>
+            <a:off x="2193660" y="1690688"/>
+            <a:ext cx="7804679" cy="4791675"/>
+          </a:xfrm>
+          <a:prstGeom prst="rect">
+            <a:avLst/>
+          </a:prstGeom>
+        </p:spPr>
+      </p:pic>
     </p:spTree>
     <p:extLst>
       <p:ext uri="{BB962C8B-B14F-4D97-AF65-F5344CB8AC3E}">
-        <p14:creationId xmlns:p14="http://schemas.microsoft.com/office/powerpoint/2010/main" val="3163804944"/>
+        <p14:creationId xmlns:p14="http://schemas.microsoft.com/office/powerpoint/2010/main" val="1858777758"/>
       </p:ext>
     </p:extLst>
   </p:cSld>
   <p:clrMapOvr>
     <a:masterClrMapping/>
   </p:clrMapOvr>
-  <p:timing>
-    <p:tnLst>
-      <p:par>
-        <p:cTn id="1" dur="indefinite" restart="never" nodeType="tmRoot"/>
-      </p:par>
-    </p:tnLst>
-  </p:timing>
 </p:sld>
 </file>
 
@@ -3820,7 +3778,11 @@
           <a:p>
             <a:r>
               <a:rPr lang="ru-RU" dirty="0" smtClean="0"/>
-              <a:t>Графики (неправильно)</a:t>
+              <a:t>Графики </a:t>
+            </a:r>
+            <a:r>
+              <a:rPr lang="ru-RU" dirty="0" smtClean="0"/>
+              <a:t>(итерации)</a:t>
             </a:r>
             <a:endParaRPr lang="ru-RU" dirty="0"/>
           </a:p>
@@ -3828,7 +3790,7 @@
       </p:sp>
       <p:pic>
         <p:nvPicPr>
-          <p:cNvPr id="6" name="Рисунок 5"/>
+          <p:cNvPr id="3" name="Рисунок 2"/>
           <p:cNvPicPr>
             <a:picLocks noChangeAspect="1"/>
           </p:cNvPicPr>
@@ -3842,8 +3804,8 @@
         </p:blipFill>
         <p:spPr>
           <a:xfrm>
-            <a:off x="1585912" y="1560512"/>
-            <a:ext cx="9020175" cy="4905375"/>
+            <a:off x="2120106" y="1809221"/>
+            <a:ext cx="7833254" cy="4672992"/>
           </a:xfrm>
           <a:prstGeom prst="rect">
             <a:avLst/>
@@ -3897,46 +3859,83 @@
           <a:p>
             <a:r>
               <a:rPr lang="ru-RU" dirty="0" smtClean="0"/>
-              <a:t>Графики (неправильно)</a:t>
+              <a:t>Список использованной лит-</a:t>
+            </a:r>
+            <a:r>
+              <a:rPr lang="ru-RU" dirty="0" err="1" smtClean="0"/>
+              <a:t>ры</a:t>
             </a:r>
             <a:endParaRPr lang="ru-RU" dirty="0"/>
           </a:p>
         </p:txBody>
       </p:sp>
-      <p:pic>
-        <p:nvPicPr>
-          <p:cNvPr id="6" name="Рисунок 5"/>
-          <p:cNvPicPr>
-            <a:picLocks noChangeAspect="1"/>
-          </p:cNvPicPr>
-          <p:nvPr/>
-        </p:nvPicPr>
-        <p:blipFill>
-          <a:blip r:embed="rId2"/>
-          <a:stretch>
-            <a:fillRect/>
-          </a:stretch>
-        </p:blipFill>
-        <p:spPr>
-          <a:xfrm>
-            <a:off x="1595437" y="1544373"/>
-            <a:ext cx="9001125" cy="4953000"/>
-          </a:xfrm>
-          <a:prstGeom prst="rect">
-            <a:avLst/>
-          </a:prstGeom>
-        </p:spPr>
-      </p:pic>
+      <p:sp>
+        <p:nvSpPr>
+          <p:cNvPr id="3" name="Объект 2"/>
+          <p:cNvSpPr>
+            <a:spLocks noGrp="1"/>
+          </p:cNvSpPr>
+          <p:nvPr>
+            <p:ph idx="1"/>
+          </p:nvPr>
+        </p:nvSpPr>
+        <p:spPr/>
+        <p:txBody>
+          <a:bodyPr/>
+          <a:lstStyle/>
+          <a:p>
+            <a:r>
+              <a:rPr lang="en-US" dirty="0">
+                <a:hlinkClick r:id="rId2"/>
+              </a:rPr>
+              <a:t>https://</a:t>
+            </a:r>
+            <a:r>
+              <a:rPr lang="en-US" dirty="0" smtClean="0">
+                <a:hlinkClick r:id="rId2"/>
+              </a:rPr>
+              <a:t>en.wikipedia.org/wiki/Patience_sorting</a:t>
+            </a:r>
+            <a:endParaRPr lang="ru-RU" dirty="0" smtClean="0"/>
+          </a:p>
+          <a:p>
+            <a:r>
+              <a:rPr lang="en-US" dirty="0"/>
+              <a:t>http://</a:t>
+            </a:r>
+            <a:r>
+              <a:rPr lang="en-US" dirty="0" smtClean="0"/>
+              <a:t>neerc.ifmo.ru/wiki/index.php?title</a:t>
+            </a:r>
+            <a:r>
+              <a:rPr lang="ru-RU" dirty="0" smtClean="0"/>
+              <a:t>=</a:t>
+            </a:r>
+            <a:r>
+              <a:rPr lang="ru-RU" dirty="0" err="1" smtClean="0"/>
+              <a:t>Терпеливая_сортировка</a:t>
+            </a:r>
+            <a:endParaRPr lang="ru-RU" dirty="0"/>
+          </a:p>
+        </p:txBody>
+      </p:sp>
     </p:spTree>
     <p:extLst>
       <p:ext uri="{BB962C8B-B14F-4D97-AF65-F5344CB8AC3E}">
-        <p14:creationId xmlns:p14="http://schemas.microsoft.com/office/powerpoint/2010/main" val="1858777758"/>
+        <p14:creationId xmlns:p14="http://schemas.microsoft.com/office/powerpoint/2010/main" val="3163804944"/>
       </p:ext>
     </p:extLst>
   </p:cSld>
   <p:clrMapOvr>
     <a:masterClrMapping/>
   </p:clrMapOvr>
+  <p:timing>
+    <p:tnLst>
+      <p:par>
+        <p:cTn id="1" dur="indefinite" restart="never" nodeType="tmRoot"/>
+      </p:par>
+    </p:tnLst>
+  </p:timing>
 </p:sld>
 </file>
 
